--- a/presentation/Final_Project_Hanna.pptx
+++ b/presentation/Final_Project_Hanna.pptx
@@ -4238,7 +4238,46 @@
         </p:nvSpPr>
         <p:spPr>
           <a:xfrm>
-            <a:off x="3225338" y="2751512"/>
+            <a:off x="3980713" y="2950294"/>
+            <a:ext cx="4105765" cy="369332"/>
+          </a:xfrm>
+          <a:prstGeom prst="rect">
+            <a:avLst/>
+          </a:prstGeom>
+          <a:noFill/>
+        </p:spPr>
+        <p:txBody>
+          <a:bodyPr wrap="square" rtlCol="0">
+            <a:spAutoFit/>
+          </a:bodyPr>
+          <a:lstStyle/>
+          <a:p>
+            <a:pPr algn="ctr"/>
+            <a:r>
+              <a:rPr lang="en-US" b="1" dirty="0">
+                <a:hlinkClick r:id="rId2" action="ppaction://hlinkfile"/>
+              </a:rPr>
+              <a:t>Click Here to View the Interactive Plot</a:t>
+            </a:r>
+            <a:endParaRPr lang="en-US" b="1" dirty="0"/>
+          </a:p>
+        </p:txBody>
+      </p:sp>
+      <p:sp>
+        <p:nvSpPr>
+          <p:cNvPr id="3" name="TextBox 2">
+            <a:extLst>
+              <a:ext uri="{FF2B5EF4-FFF2-40B4-BE49-F238E27FC236}">
+                <a16:creationId xmlns:a16="http://schemas.microsoft.com/office/drawing/2014/main" id="{D3AC8BE6-F091-4434-B42D-0179FEC390A4}"/>
+              </a:ext>
+            </a:extLst>
+          </p:cNvPr>
+          <p:cNvSpPr txBox="1"/>
+          <p:nvPr/>
+        </p:nvSpPr>
+        <p:spPr>
+          <a:xfrm>
+            <a:off x="3316056" y="116378"/>
             <a:ext cx="6051428" cy="369332"/>
           </a:xfrm>
           <a:prstGeom prst="rect">
@@ -4253,12 +4292,9 @@
           <a:lstStyle/>
           <a:p>
             <a:r>
-              <a:rPr lang="en-US" b="1" dirty="0">
-                <a:hlinkClick r:id="rId2" action="ppaction://hlinkfile"/>
-              </a:rPr>
+              <a:rPr lang="en-US" b="1" dirty="0"/>
               <a:t>Part III  How is HDI related to Total Deaths per Million?</a:t>
             </a:r>
-            <a:endParaRPr lang="en-US" b="1" dirty="0"/>
           </a:p>
         </p:txBody>
       </p:sp>

--- a/presentation/Final_Project_Hanna.pptx
+++ b/presentation/Final_Project_Hanna.pptx
@@ -3432,7 +3432,7 @@
                             </p:stCondLst>
                             <p:childTnLst>
                               <p:par>
-                                <p:cTn id="5" presetID="1" presetClass="entr" presetSubtype="0" fill="hold" grpId="0" nodeType="clickEffect">
+                                <p:cTn id="5" presetID="1" presetClass="entr" presetSubtype="0" fill="hold" nodeType="clickEffect">
                                   <p:stCondLst>
                                     <p:cond delay="0"/>
                                   </p:stCondLst>
@@ -3440,51 +3440,6 @@
                                     <p:set>
                                       <p:cBhvr>
                                         <p:cTn id="6" dur="1" fill="hold">
-                                          <p:stCondLst>
-                                            <p:cond delay="0"/>
-                                          </p:stCondLst>
-                                        </p:cTn>
-                                        <p:tgtEl>
-                                          <p:spTgt spid="4"/>
-                                        </p:tgtEl>
-                                        <p:attrNameLst>
-                                          <p:attrName>style.visibility</p:attrName>
-                                        </p:attrNameLst>
-                                      </p:cBhvr>
-                                      <p:to>
-                                        <p:strVal val="visible"/>
-                                      </p:to>
-                                    </p:set>
-                                  </p:childTnLst>
-                                </p:cTn>
-                              </p:par>
-                            </p:childTnLst>
-                          </p:cTn>
-                        </p:par>
-                      </p:childTnLst>
-                    </p:cTn>
-                  </p:par>
-                  <p:par>
-                    <p:cTn id="7" fill="hold">
-                      <p:stCondLst>
-                        <p:cond delay="indefinite"/>
-                      </p:stCondLst>
-                      <p:childTnLst>
-                        <p:par>
-                          <p:cTn id="8" fill="hold">
-                            <p:stCondLst>
-                              <p:cond delay="0"/>
-                            </p:stCondLst>
-                            <p:childTnLst>
-                              <p:par>
-                                <p:cTn id="9" presetID="1" presetClass="entr" presetSubtype="0" fill="hold" nodeType="clickEffect">
-                                  <p:stCondLst>
-                                    <p:cond delay="0"/>
-                                  </p:stCondLst>
-                                  <p:childTnLst>
-                                    <p:set>
-                                      <p:cBhvr>
-                                        <p:cTn id="10" dur="1" fill="hold">
                                           <p:stCondLst>
                                             <p:cond delay="0"/>
                                           </p:stCondLst>
@@ -3528,7 +3483,7 @@
             </p:seq>
             <p:video>
               <p:cMediaNode vol="80000" mute="1">
-                <p:cTn id="11" repeatCount="indefinite" fill="hold" display="0">
+                <p:cTn id="7" repeatCount="indefinite" fill="hold" display="0">
                   <p:stCondLst>
                     <p:cond delay="indefinite"/>
                   </p:stCondLst>
@@ -3542,9 +3497,6 @@
         </p:cTn>
       </p:par>
     </p:tnLst>
-    <p:bldLst>
-      <p:bldP spid="4" grpId="0"/>
-    </p:bldLst>
   </p:timing>
 </p:sld>
 </file>
